--- a/pizarra.pptx
+++ b/pizarra.pptx
@@ -14,6 +14,9 @@
     <p:sldId id="262" r:id="rId8"/>
     <p:sldId id="263" r:id="rId9"/>
     <p:sldId id="264" r:id="rId10"/>
+    <p:sldId id="265" r:id="rId11"/>
+    <p:sldId id="266" r:id="rId12"/>
+    <p:sldId id="267" r:id="rId13"/>
   </p:sldIdLst>
   <p:sldSz cx="9144000" cy="6858000" type="screen4x3"/>
   <p:notesSz cx="6858000" cy="9144000"/>
@@ -297,7 +300,7 @@
             <a:fld id="{7A847CFC-816F-41D0-AAC0-9BF4FEBC753E}" type="datetimeFigureOut">
               <a:rPr lang="es-ES" smtClean="0"/>
               <a:pPr/>
-              <a:t>03/06/2025</a:t>
+              <a:t>09/06/2025</a:t>
             </a:fld>
             <a:endParaRPr lang="es-ES"/>
           </a:p>
@@ -464,7 +467,7 @@
             <a:fld id="{7A847CFC-816F-41D0-AAC0-9BF4FEBC753E}" type="datetimeFigureOut">
               <a:rPr lang="es-ES" smtClean="0"/>
               <a:pPr/>
-              <a:t>03/06/2025</a:t>
+              <a:t>09/06/2025</a:t>
             </a:fld>
             <a:endParaRPr lang="es-ES"/>
           </a:p>
@@ -641,7 +644,7 @@
             <a:fld id="{7A847CFC-816F-41D0-AAC0-9BF4FEBC753E}" type="datetimeFigureOut">
               <a:rPr lang="es-ES" smtClean="0"/>
               <a:pPr/>
-              <a:t>03/06/2025</a:t>
+              <a:t>09/06/2025</a:t>
             </a:fld>
             <a:endParaRPr lang="es-ES"/>
           </a:p>
@@ -808,7 +811,7 @@
             <a:fld id="{7A847CFC-816F-41D0-AAC0-9BF4FEBC753E}" type="datetimeFigureOut">
               <a:rPr lang="es-ES" smtClean="0"/>
               <a:pPr/>
-              <a:t>03/06/2025</a:t>
+              <a:t>09/06/2025</a:t>
             </a:fld>
             <a:endParaRPr lang="es-ES"/>
           </a:p>
@@ -1051,7 +1054,7 @@
             <a:fld id="{7A847CFC-816F-41D0-AAC0-9BF4FEBC753E}" type="datetimeFigureOut">
               <a:rPr lang="es-ES" smtClean="0"/>
               <a:pPr/>
-              <a:t>03/06/2025</a:t>
+              <a:t>09/06/2025</a:t>
             </a:fld>
             <a:endParaRPr lang="es-ES"/>
           </a:p>
@@ -1336,7 +1339,7 @@
             <a:fld id="{7A847CFC-816F-41D0-AAC0-9BF4FEBC753E}" type="datetimeFigureOut">
               <a:rPr lang="es-ES" smtClean="0"/>
               <a:pPr/>
-              <a:t>03/06/2025</a:t>
+              <a:t>09/06/2025</a:t>
             </a:fld>
             <a:endParaRPr lang="es-ES"/>
           </a:p>
@@ -1755,7 +1758,7 @@
             <a:fld id="{7A847CFC-816F-41D0-AAC0-9BF4FEBC753E}" type="datetimeFigureOut">
               <a:rPr lang="es-ES" smtClean="0"/>
               <a:pPr/>
-              <a:t>03/06/2025</a:t>
+              <a:t>09/06/2025</a:t>
             </a:fld>
             <a:endParaRPr lang="es-ES"/>
           </a:p>
@@ -1870,7 +1873,7 @@
             <a:fld id="{7A847CFC-816F-41D0-AAC0-9BF4FEBC753E}" type="datetimeFigureOut">
               <a:rPr lang="es-ES" smtClean="0"/>
               <a:pPr/>
-              <a:t>03/06/2025</a:t>
+              <a:t>09/06/2025</a:t>
             </a:fld>
             <a:endParaRPr lang="es-ES"/>
           </a:p>
@@ -1962,7 +1965,7 @@
             <a:fld id="{7A847CFC-816F-41D0-AAC0-9BF4FEBC753E}" type="datetimeFigureOut">
               <a:rPr lang="es-ES" smtClean="0"/>
               <a:pPr/>
-              <a:t>03/06/2025</a:t>
+              <a:t>09/06/2025</a:t>
             </a:fld>
             <a:endParaRPr lang="es-ES"/>
           </a:p>
@@ -2236,7 +2239,7 @@
             <a:fld id="{7A847CFC-816F-41D0-AAC0-9BF4FEBC753E}" type="datetimeFigureOut">
               <a:rPr lang="es-ES" smtClean="0"/>
               <a:pPr/>
-              <a:t>03/06/2025</a:t>
+              <a:t>09/06/2025</a:t>
             </a:fld>
             <a:endParaRPr lang="es-ES"/>
           </a:p>
@@ -2486,7 +2489,7 @@
             <a:fld id="{7A847CFC-816F-41D0-AAC0-9BF4FEBC753E}" type="datetimeFigureOut">
               <a:rPr lang="es-ES" smtClean="0"/>
               <a:pPr/>
-              <a:t>03/06/2025</a:t>
+              <a:t>09/06/2025</a:t>
             </a:fld>
             <a:endParaRPr lang="es-ES"/>
           </a:p>
@@ -2696,7 +2699,7 @@
             <a:fld id="{7A847CFC-816F-41D0-AAC0-9BF4FEBC753E}" type="datetimeFigureOut">
               <a:rPr lang="es-ES" smtClean="0"/>
               <a:pPr/>
-              <a:t>03/06/2025</a:t>
+              <a:t>09/06/2025</a:t>
             </a:fld>
             <a:endParaRPr lang="es-ES"/>
           </a:p>
@@ -3214,6 +3217,881 @@
               <a:t>Generator</a:t>
             </a:r>
             <a:endParaRPr lang="es-ES" b="1" dirty="0"/>
+          </a:p>
+        </p:txBody>
+      </p:sp>
+    </p:spTree>
+  </p:cSld>
+  <p:clrMapOvr>
+    <a:masterClrMapping/>
+  </p:clrMapOvr>
+</p:sld>
+</file>
+
+<file path=ppt/slides/slide10.xml><?xml version="1.0" encoding="utf-8"?>
+<p:sld xmlns:a="http://schemas.openxmlformats.org/drawingml/2006/main" xmlns:r="http://schemas.openxmlformats.org/officeDocument/2006/relationships" xmlns:p="http://schemas.openxmlformats.org/presentationml/2006/main">
+  <p:cSld>
+    <p:spTree>
+      <p:nvGrpSpPr>
+        <p:cNvPr id="1" name=""/>
+        <p:cNvGrpSpPr/>
+        <p:nvPr/>
+      </p:nvGrpSpPr>
+      <p:grpSpPr>
+        <a:xfrm>
+          <a:off x="0" y="0"/>
+          <a:ext cx="0" cy="0"/>
+          <a:chOff x="0" y="0"/>
+          <a:chExt cx="0" cy="0"/>
+        </a:xfrm>
+      </p:grpSpPr>
+      <p:sp>
+        <p:nvSpPr>
+          <p:cNvPr id="2" name="1 CuadroTexto"/>
+          <p:cNvSpPr txBox="1"/>
+          <p:nvPr/>
+        </p:nvSpPr>
+        <p:spPr>
+          <a:xfrm>
+            <a:off x="395536" y="620688"/>
+            <a:ext cx="4104456" cy="369332"/>
+          </a:xfrm>
+          <a:prstGeom prst="rect">
+            <a:avLst/>
+          </a:prstGeom>
+          <a:noFill/>
+        </p:spPr>
+        <p:txBody>
+          <a:bodyPr wrap="square" rtlCol="0">
+            <a:spAutoFit/>
+          </a:bodyPr>
+          <a:lstStyle/>
+          <a:p>
+            <a:r>
+              <a:rPr lang="es-ES" dirty="0" smtClean="0"/>
+              <a:t>-Alta de nuevos cursos</a:t>
+            </a:r>
+            <a:endParaRPr lang="es-ES" dirty="0"/>
+          </a:p>
+        </p:txBody>
+      </p:sp>
+      <p:sp>
+        <p:nvSpPr>
+          <p:cNvPr id="3" name="2 CuadroTexto"/>
+          <p:cNvSpPr txBox="1"/>
+          <p:nvPr/>
+        </p:nvSpPr>
+        <p:spPr>
+          <a:xfrm>
+            <a:off x="467544" y="1988840"/>
+            <a:ext cx="7632848" cy="1477328"/>
+          </a:xfrm>
+          <a:prstGeom prst="rect">
+            <a:avLst/>
+          </a:prstGeom>
+          <a:noFill/>
+        </p:spPr>
+        <p:txBody>
+          <a:bodyPr wrap="square" rtlCol="0">
+            <a:spAutoFit/>
+          </a:bodyPr>
+          <a:lstStyle/>
+          <a:p>
+            <a:r>
+              <a:rPr lang="es-ES" dirty="0" smtClean="0"/>
+              <a:t>Alta de nuevos alumnos:</a:t>
+            </a:r>
+          </a:p>
+          <a:p>
+            <a:r>
+              <a:rPr lang="es-ES" dirty="0" smtClean="0"/>
+              <a:t>	-Usuario y contraseña requeridos</a:t>
+            </a:r>
+          </a:p>
+          <a:p>
+            <a:r>
+              <a:rPr lang="es-ES" dirty="0" smtClean="0"/>
+              <a:t>	-Contraseña mínimo 6 caracteres</a:t>
+            </a:r>
+          </a:p>
+          <a:p>
+            <a:r>
+              <a:rPr lang="es-ES" dirty="0" smtClean="0"/>
+              <a:t>	-Email válido</a:t>
+            </a:r>
+          </a:p>
+          <a:p>
+            <a:r>
+              <a:rPr lang="es-ES" dirty="0" smtClean="0"/>
+              <a:t>	-Edad entre 18 y 99</a:t>
+            </a:r>
+            <a:endParaRPr lang="es-ES" dirty="0"/>
+          </a:p>
+        </p:txBody>
+      </p:sp>
+    </p:spTree>
+  </p:cSld>
+  <p:clrMapOvr>
+    <a:masterClrMapping/>
+  </p:clrMapOvr>
+</p:sld>
+</file>
+
+<file path=ppt/slides/slide11.xml><?xml version="1.0" encoding="utf-8"?>
+<p:sld xmlns:a="http://schemas.openxmlformats.org/drawingml/2006/main" xmlns:r="http://schemas.openxmlformats.org/officeDocument/2006/relationships" xmlns:p="http://schemas.openxmlformats.org/presentationml/2006/main">
+  <p:cSld>
+    <p:spTree>
+      <p:nvGrpSpPr>
+        <p:cNvPr id="1" name=""/>
+        <p:cNvGrpSpPr/>
+        <p:nvPr/>
+      </p:nvGrpSpPr>
+      <p:grpSpPr>
+        <a:xfrm>
+          <a:off x="0" y="0"/>
+          <a:ext cx="0" cy="0"/>
+          <a:chOff x="0" y="0"/>
+          <a:chExt cx="0" cy="0"/>
+        </a:xfrm>
+      </p:grpSpPr>
+      <p:sp>
+        <p:nvSpPr>
+          <p:cNvPr id="2" name="1 Rectángulo"/>
+          <p:cNvSpPr/>
+          <p:nvPr/>
+        </p:nvSpPr>
+        <p:spPr>
+          <a:xfrm>
+            <a:off x="1043608" y="1412776"/>
+            <a:ext cx="6840760" cy="3528392"/>
+          </a:xfrm>
+          <a:prstGeom prst="rect">
+            <a:avLst/>
+          </a:prstGeom>
+          <a:noFill/>
+        </p:spPr>
+        <p:style>
+          <a:lnRef idx="2">
+            <a:schemeClr val="accent1">
+              <a:shade val="50000"/>
+            </a:schemeClr>
+          </a:lnRef>
+          <a:fillRef idx="1">
+            <a:schemeClr val="accent1"/>
+          </a:fillRef>
+          <a:effectRef idx="0">
+            <a:schemeClr val="accent1"/>
+          </a:effectRef>
+          <a:fontRef idx="minor">
+            <a:schemeClr val="lt1"/>
+          </a:fontRef>
+        </p:style>
+        <p:txBody>
+          <a:bodyPr rtlCol="0" anchor="ctr"/>
+          <a:lstStyle/>
+          <a:p>
+            <a:pPr algn="ctr"/>
+            <a:endParaRPr lang="es-ES"/>
+          </a:p>
+        </p:txBody>
+      </p:sp>
+      <p:sp>
+        <p:nvSpPr>
+          <p:cNvPr id="3" name="2 Rectángulo"/>
+          <p:cNvSpPr/>
+          <p:nvPr/>
+        </p:nvSpPr>
+        <p:spPr>
+          <a:xfrm>
+            <a:off x="2771800" y="1844824"/>
+            <a:ext cx="1872208" cy="288032"/>
+          </a:xfrm>
+          <a:prstGeom prst="rect">
+            <a:avLst/>
+          </a:prstGeom>
+        </p:spPr>
+        <p:style>
+          <a:lnRef idx="2">
+            <a:schemeClr val="accent1">
+              <a:shade val="50000"/>
+            </a:schemeClr>
+          </a:lnRef>
+          <a:fillRef idx="1">
+            <a:schemeClr val="accent1"/>
+          </a:fillRef>
+          <a:effectRef idx="0">
+            <a:schemeClr val="accent1"/>
+          </a:effectRef>
+          <a:fontRef idx="minor">
+            <a:schemeClr val="lt1"/>
+          </a:fontRef>
+        </p:style>
+        <p:txBody>
+          <a:bodyPr rtlCol="0" anchor="ctr"/>
+          <a:lstStyle/>
+          <a:p>
+            <a:pPr algn="ctr"/>
+            <a:endParaRPr lang="es-ES"/>
+          </a:p>
+        </p:txBody>
+      </p:sp>
+      <p:cxnSp>
+        <p:nvCxnSpPr>
+          <p:cNvPr id="5" name="4 Conector recto de flecha"/>
+          <p:cNvCxnSpPr/>
+          <p:nvPr/>
+        </p:nvCxnSpPr>
+        <p:spPr>
+          <a:xfrm>
+            <a:off x="4788024" y="1844824"/>
+            <a:ext cx="0" cy="288032"/>
+          </a:xfrm>
+          <a:prstGeom prst="straightConnector1">
+            <a:avLst/>
+          </a:prstGeom>
+          <a:ln w="50800">
+            <a:tailEnd type="arrow"/>
+          </a:ln>
+        </p:spPr>
+        <p:style>
+          <a:lnRef idx="1">
+            <a:schemeClr val="accent1"/>
+          </a:lnRef>
+          <a:fillRef idx="0">
+            <a:schemeClr val="accent1"/>
+          </a:fillRef>
+          <a:effectRef idx="0">
+            <a:schemeClr val="accent1"/>
+          </a:effectRef>
+          <a:fontRef idx="minor">
+            <a:schemeClr val="tx1"/>
+          </a:fontRef>
+        </p:style>
+      </p:cxnSp>
+      <p:sp>
+        <p:nvSpPr>
+          <p:cNvPr id="6" name="5 CuadroTexto"/>
+          <p:cNvSpPr txBox="1"/>
+          <p:nvPr/>
+        </p:nvSpPr>
+        <p:spPr>
+          <a:xfrm>
+            <a:off x="2771800" y="1484784"/>
+            <a:ext cx="2376264" cy="369332"/>
+          </a:xfrm>
+          <a:prstGeom prst="rect">
+            <a:avLst/>
+          </a:prstGeom>
+          <a:noFill/>
+        </p:spPr>
+        <p:txBody>
+          <a:bodyPr wrap="square" rtlCol="0">
+            <a:spAutoFit/>
+          </a:bodyPr>
+          <a:lstStyle/>
+          <a:p>
+            <a:r>
+              <a:rPr lang="es-ES" dirty="0" smtClean="0"/>
+              <a:t>Seleccione curso:</a:t>
+            </a:r>
+            <a:endParaRPr lang="es-ES" dirty="0"/>
+          </a:p>
+        </p:txBody>
+      </p:sp>
+      <p:sp>
+        <p:nvSpPr>
+          <p:cNvPr id="7" name="6 Rectángulo"/>
+          <p:cNvSpPr/>
+          <p:nvPr/>
+        </p:nvSpPr>
+        <p:spPr>
+          <a:xfrm>
+            <a:off x="1691680" y="2780928"/>
+            <a:ext cx="4608512" cy="1656184"/>
+          </a:xfrm>
+          <a:prstGeom prst="rect">
+            <a:avLst/>
+          </a:prstGeom>
+          <a:noFill/>
+        </p:spPr>
+        <p:style>
+          <a:lnRef idx="2">
+            <a:schemeClr val="accent1">
+              <a:shade val="50000"/>
+            </a:schemeClr>
+          </a:lnRef>
+          <a:fillRef idx="1">
+            <a:schemeClr val="accent1"/>
+          </a:fillRef>
+          <a:effectRef idx="0">
+            <a:schemeClr val="accent1"/>
+          </a:effectRef>
+          <a:fontRef idx="minor">
+            <a:schemeClr val="lt1"/>
+          </a:fontRef>
+        </p:style>
+        <p:txBody>
+          <a:bodyPr rtlCol="0" anchor="ctr"/>
+          <a:lstStyle/>
+          <a:p>
+            <a:pPr algn="ctr"/>
+            <a:endParaRPr lang="es-ES"/>
+          </a:p>
+        </p:txBody>
+      </p:sp>
+      <p:sp>
+        <p:nvSpPr>
+          <p:cNvPr id="8" name="7 CuadroTexto"/>
+          <p:cNvSpPr txBox="1"/>
+          <p:nvPr/>
+        </p:nvSpPr>
+        <p:spPr>
+          <a:xfrm>
+            <a:off x="1763688" y="2852936"/>
+            <a:ext cx="1080120" cy="369332"/>
+          </a:xfrm>
+          <a:prstGeom prst="rect">
+            <a:avLst/>
+          </a:prstGeom>
+          <a:noFill/>
+        </p:spPr>
+        <p:txBody>
+          <a:bodyPr wrap="square" rtlCol="0">
+            <a:spAutoFit/>
+          </a:bodyPr>
+          <a:lstStyle/>
+          <a:p>
+            <a:r>
+              <a:rPr lang="es-ES" dirty="0" smtClean="0"/>
+              <a:t>Nombre</a:t>
+            </a:r>
+            <a:endParaRPr lang="es-ES" dirty="0"/>
+          </a:p>
+        </p:txBody>
+      </p:sp>
+      <p:sp>
+        <p:nvSpPr>
+          <p:cNvPr id="9" name="8 CuadroTexto"/>
+          <p:cNvSpPr txBox="1"/>
+          <p:nvPr/>
+        </p:nvSpPr>
+        <p:spPr>
+          <a:xfrm>
+            <a:off x="3059832" y="2852936"/>
+            <a:ext cx="936104" cy="369332"/>
+          </a:xfrm>
+          <a:prstGeom prst="rect">
+            <a:avLst/>
+          </a:prstGeom>
+          <a:noFill/>
+        </p:spPr>
+        <p:txBody>
+          <a:bodyPr wrap="square" rtlCol="0">
+            <a:spAutoFit/>
+          </a:bodyPr>
+          <a:lstStyle/>
+          <a:p>
+            <a:r>
+              <a:rPr lang="es-ES" dirty="0" smtClean="0"/>
+              <a:t>Email</a:t>
+            </a:r>
+            <a:endParaRPr lang="es-ES" dirty="0"/>
+          </a:p>
+        </p:txBody>
+      </p:sp>
+      <p:sp>
+        <p:nvSpPr>
+          <p:cNvPr id="10" name="9 CuadroTexto"/>
+          <p:cNvSpPr txBox="1"/>
+          <p:nvPr/>
+        </p:nvSpPr>
+        <p:spPr>
+          <a:xfrm>
+            <a:off x="4067944" y="2852936"/>
+            <a:ext cx="936104" cy="369332"/>
+          </a:xfrm>
+          <a:prstGeom prst="rect">
+            <a:avLst/>
+          </a:prstGeom>
+          <a:noFill/>
+        </p:spPr>
+        <p:txBody>
+          <a:bodyPr wrap="square" rtlCol="0">
+            <a:spAutoFit/>
+          </a:bodyPr>
+          <a:lstStyle/>
+          <a:p>
+            <a:r>
+              <a:rPr lang="es-ES" dirty="0" smtClean="0"/>
+              <a:t>Curso</a:t>
+            </a:r>
+            <a:endParaRPr lang="es-ES" dirty="0"/>
+          </a:p>
+        </p:txBody>
+      </p:sp>
+      <p:sp>
+        <p:nvSpPr>
+          <p:cNvPr id="11" name="10 CuadroTexto"/>
+          <p:cNvSpPr txBox="1"/>
+          <p:nvPr/>
+        </p:nvSpPr>
+        <p:spPr>
+          <a:xfrm>
+            <a:off x="5148064" y="2852936"/>
+            <a:ext cx="936104" cy="369332"/>
+          </a:xfrm>
+          <a:prstGeom prst="rect">
+            <a:avLst/>
+          </a:prstGeom>
+          <a:noFill/>
+        </p:spPr>
+        <p:txBody>
+          <a:bodyPr wrap="square" rtlCol="0">
+            <a:spAutoFit/>
+          </a:bodyPr>
+          <a:lstStyle/>
+          <a:p>
+            <a:r>
+              <a:rPr lang="es-ES" dirty="0" smtClean="0"/>
+              <a:t>Nota</a:t>
+            </a:r>
+            <a:endParaRPr lang="es-ES" dirty="0"/>
+          </a:p>
+        </p:txBody>
+      </p:sp>
+      <p:cxnSp>
+        <p:nvCxnSpPr>
+          <p:cNvPr id="13" name="12 Conector recto"/>
+          <p:cNvCxnSpPr/>
+          <p:nvPr/>
+        </p:nvCxnSpPr>
+        <p:spPr>
+          <a:xfrm>
+            <a:off x="1691680" y="3212976"/>
+            <a:ext cx="4608512" cy="0"/>
+          </a:xfrm>
+          <a:prstGeom prst="line">
+            <a:avLst/>
+          </a:prstGeom>
+        </p:spPr>
+        <p:style>
+          <a:lnRef idx="1">
+            <a:schemeClr val="accent1"/>
+          </a:lnRef>
+          <a:fillRef idx="0">
+            <a:schemeClr val="accent1"/>
+          </a:fillRef>
+          <a:effectRef idx="0">
+            <a:schemeClr val="accent1"/>
+          </a:effectRef>
+          <a:fontRef idx="minor">
+            <a:schemeClr val="tx1"/>
+          </a:fontRef>
+        </p:style>
+      </p:cxnSp>
+      <p:cxnSp>
+        <p:nvCxnSpPr>
+          <p:cNvPr id="15" name="14 Conector recto"/>
+          <p:cNvCxnSpPr/>
+          <p:nvPr/>
+        </p:nvCxnSpPr>
+        <p:spPr>
+          <a:xfrm>
+            <a:off x="2843808" y="2780928"/>
+            <a:ext cx="0" cy="1656184"/>
+          </a:xfrm>
+          <a:prstGeom prst="line">
+            <a:avLst/>
+          </a:prstGeom>
+        </p:spPr>
+        <p:style>
+          <a:lnRef idx="1">
+            <a:schemeClr val="accent1"/>
+          </a:lnRef>
+          <a:fillRef idx="0">
+            <a:schemeClr val="accent1"/>
+          </a:fillRef>
+          <a:effectRef idx="0">
+            <a:schemeClr val="accent1"/>
+          </a:effectRef>
+          <a:fontRef idx="minor">
+            <a:schemeClr val="tx1"/>
+          </a:fontRef>
+        </p:style>
+      </p:cxnSp>
+      <p:cxnSp>
+        <p:nvCxnSpPr>
+          <p:cNvPr id="16" name="15 Conector recto"/>
+          <p:cNvCxnSpPr/>
+          <p:nvPr/>
+        </p:nvCxnSpPr>
+        <p:spPr>
+          <a:xfrm>
+            <a:off x="3923928" y="2780928"/>
+            <a:ext cx="0" cy="1656184"/>
+          </a:xfrm>
+          <a:prstGeom prst="line">
+            <a:avLst/>
+          </a:prstGeom>
+        </p:spPr>
+        <p:style>
+          <a:lnRef idx="1">
+            <a:schemeClr val="accent1"/>
+          </a:lnRef>
+          <a:fillRef idx="0">
+            <a:schemeClr val="accent1"/>
+          </a:fillRef>
+          <a:effectRef idx="0">
+            <a:schemeClr val="accent1"/>
+          </a:effectRef>
+          <a:fontRef idx="minor">
+            <a:schemeClr val="tx1"/>
+          </a:fontRef>
+        </p:style>
+      </p:cxnSp>
+      <p:cxnSp>
+        <p:nvCxnSpPr>
+          <p:cNvPr id="17" name="16 Conector recto"/>
+          <p:cNvCxnSpPr/>
+          <p:nvPr/>
+        </p:nvCxnSpPr>
+        <p:spPr>
+          <a:xfrm>
+            <a:off x="5004048" y="2780928"/>
+            <a:ext cx="0" cy="1656184"/>
+          </a:xfrm>
+          <a:prstGeom prst="line">
+            <a:avLst/>
+          </a:prstGeom>
+        </p:spPr>
+        <p:style>
+          <a:lnRef idx="1">
+            <a:schemeClr val="accent1"/>
+          </a:lnRef>
+          <a:fillRef idx="0">
+            <a:schemeClr val="accent1"/>
+          </a:fillRef>
+          <a:effectRef idx="0">
+            <a:schemeClr val="accent1"/>
+          </a:effectRef>
+          <a:fontRef idx="minor">
+            <a:schemeClr val="tx1"/>
+          </a:fontRef>
+        </p:style>
+      </p:cxnSp>
+    </p:spTree>
+  </p:cSld>
+  <p:clrMapOvr>
+    <a:masterClrMapping/>
+  </p:clrMapOvr>
+</p:sld>
+</file>
+
+<file path=ppt/slides/slide12.xml><?xml version="1.0" encoding="utf-8"?>
+<p:sld xmlns:a="http://schemas.openxmlformats.org/drawingml/2006/main" xmlns:r="http://schemas.openxmlformats.org/officeDocument/2006/relationships" xmlns:p="http://schemas.openxmlformats.org/presentationml/2006/main">
+  <p:cSld>
+    <p:spTree>
+      <p:nvGrpSpPr>
+        <p:cNvPr id="1" name=""/>
+        <p:cNvGrpSpPr/>
+        <p:nvPr/>
+      </p:nvGrpSpPr>
+      <p:grpSpPr>
+        <a:xfrm>
+          <a:off x="0" y="0"/>
+          <a:ext cx="0" cy="0"/>
+          <a:chOff x="0" y="0"/>
+          <a:chExt cx="0" cy="0"/>
+        </a:xfrm>
+      </p:grpSpPr>
+      <p:sp>
+        <p:nvSpPr>
+          <p:cNvPr id="2" name="1 CuadroTexto"/>
+          <p:cNvSpPr txBox="1"/>
+          <p:nvPr/>
+        </p:nvSpPr>
+        <p:spPr>
+          <a:xfrm>
+            <a:off x="323528" y="0"/>
+            <a:ext cx="8208912" cy="461665"/>
+          </a:xfrm>
+          <a:prstGeom prst="rect">
+            <a:avLst/>
+          </a:prstGeom>
+          <a:noFill/>
+        </p:spPr>
+        <p:txBody>
+          <a:bodyPr wrap="square" rtlCol="0">
+            <a:spAutoFit/>
+          </a:bodyPr>
+          <a:lstStyle/>
+          <a:p>
+            <a:r>
+              <a:rPr lang="es-ES" sz="2400" b="1" dirty="0" smtClean="0"/>
+              <a:t>Pasos creación proyecto </a:t>
+            </a:r>
+            <a:r>
+              <a:rPr lang="es-ES" sz="2400" b="1" dirty="0" err="1" smtClean="0"/>
+              <a:t>backend</a:t>
+            </a:r>
+            <a:r>
+              <a:rPr lang="es-ES" sz="2400" b="1" dirty="0" smtClean="0"/>
+              <a:t> con </a:t>
+            </a:r>
+            <a:r>
+              <a:rPr lang="es-ES" sz="2400" b="1" dirty="0" err="1" smtClean="0"/>
+              <a:t>NestJS</a:t>
+            </a:r>
+            <a:r>
+              <a:rPr lang="es-ES" sz="2400" b="1" dirty="0" smtClean="0"/>
+              <a:t> (servicios REST)</a:t>
+            </a:r>
+            <a:endParaRPr lang="es-ES" sz="2400" b="1" dirty="0"/>
+          </a:p>
+        </p:txBody>
+      </p:sp>
+      <p:sp>
+        <p:nvSpPr>
+          <p:cNvPr id="3" name="2 CuadroTexto"/>
+          <p:cNvSpPr txBox="1"/>
+          <p:nvPr/>
+        </p:nvSpPr>
+        <p:spPr>
+          <a:xfrm>
+            <a:off x="323528" y="476672"/>
+            <a:ext cx="7776864" cy="6186309"/>
+          </a:xfrm>
+          <a:prstGeom prst="rect">
+            <a:avLst/>
+          </a:prstGeom>
+          <a:noFill/>
+        </p:spPr>
+        <p:txBody>
+          <a:bodyPr wrap="square" rtlCol="0">
+            <a:spAutoFit/>
+          </a:bodyPr>
+          <a:lstStyle/>
+          <a:p>
+            <a:pPr>
+              <a:buFontTx/>
+              <a:buChar char="-"/>
+            </a:pPr>
+            <a:r>
+              <a:rPr lang="es-ES" dirty="0" smtClean="0"/>
+              <a:t>C</a:t>
+            </a:r>
+            <a:r>
+              <a:rPr lang="es-ES" dirty="0" smtClean="0"/>
+              <a:t>reación proyecto:</a:t>
+            </a:r>
+          </a:p>
+          <a:p>
+            <a:pPr lvl="1"/>
+            <a:r>
+              <a:rPr lang="es-ES" dirty="0" smtClean="0"/>
+              <a:t>&gt;</a:t>
+            </a:r>
+            <a:r>
+              <a:rPr lang="es-ES" dirty="0" err="1" smtClean="0"/>
+              <a:t>nest</a:t>
+            </a:r>
+            <a:r>
+              <a:rPr lang="es-ES" dirty="0" smtClean="0"/>
+              <a:t> new </a:t>
+            </a:r>
+            <a:r>
+              <a:rPr lang="es-ES" dirty="0" err="1" smtClean="0"/>
+              <a:t>nombre_proyecto</a:t>
+            </a:r>
+            <a:endParaRPr lang="es-ES" dirty="0" smtClean="0"/>
+          </a:p>
+          <a:p>
+            <a:pPr lvl="1"/>
+            <a:r>
+              <a:rPr lang="es-ES" dirty="0" smtClean="0"/>
+              <a:t>Eliminar .</a:t>
+            </a:r>
+            <a:r>
+              <a:rPr lang="es-ES" dirty="0" err="1" smtClean="0"/>
+              <a:t>git</a:t>
+            </a:r>
+            <a:endParaRPr lang="es-ES" dirty="0" smtClean="0"/>
+          </a:p>
+          <a:p>
+            <a:pPr lvl="1"/>
+            <a:r>
+              <a:rPr lang="es-ES" dirty="0" smtClean="0"/>
+              <a:t>Eliminar entradas </a:t>
+            </a:r>
+            <a:r>
+              <a:rPr lang="es-ES" dirty="0" err="1" smtClean="0"/>
+              <a:t>eslint</a:t>
+            </a:r>
+            <a:endParaRPr lang="es-ES" dirty="0" smtClean="0"/>
+          </a:p>
+          <a:p>
+            <a:pPr lvl="1"/>
+            <a:r>
+              <a:rPr lang="es-ES" dirty="0" smtClean="0"/>
+              <a:t>Desactivar chequeo de nulos</a:t>
+            </a:r>
+          </a:p>
+          <a:p>
+            <a:r>
+              <a:rPr lang="es-ES" dirty="0" smtClean="0"/>
+              <a:t>-Si vamos a utilizar acceso a bases de datos, instalar </a:t>
+            </a:r>
+            <a:r>
+              <a:rPr lang="es-ES" dirty="0" err="1" smtClean="0"/>
+              <a:t>typeORM</a:t>
+            </a:r>
+            <a:endParaRPr lang="es-ES" dirty="0" smtClean="0"/>
+          </a:p>
+          <a:p>
+            <a:r>
+              <a:rPr lang="es-ES" dirty="0" smtClean="0"/>
+              <a:t>-Creación de entidades y sus relaciones</a:t>
+            </a:r>
+          </a:p>
+          <a:p>
+            <a:r>
+              <a:rPr lang="es-ES" dirty="0" smtClean="0"/>
+              <a:t>-Creación de </a:t>
+            </a:r>
+            <a:r>
+              <a:rPr lang="es-ES" dirty="0" err="1" smtClean="0"/>
+              <a:t>DTOs</a:t>
+            </a:r>
+            <a:r>
+              <a:rPr lang="es-ES" dirty="0" smtClean="0"/>
+              <a:t>, tanto para entrada de datos como para salida de datos. Añadir validadores en los </a:t>
+            </a:r>
+            <a:r>
+              <a:rPr lang="es-ES" dirty="0" err="1" smtClean="0"/>
+              <a:t>DTOs</a:t>
+            </a:r>
+            <a:r>
+              <a:rPr lang="es-ES" dirty="0" smtClean="0"/>
+              <a:t> de entrada de datos</a:t>
+            </a:r>
+          </a:p>
+          <a:p>
+            <a:r>
+              <a:rPr lang="es-ES" dirty="0" smtClean="0"/>
+              <a:t>-Implementación del </a:t>
+            </a:r>
+            <a:r>
+              <a:rPr lang="es-ES" dirty="0" err="1" smtClean="0"/>
+              <a:t>service</a:t>
+            </a:r>
+            <a:r>
+              <a:rPr lang="es-ES" dirty="0" smtClean="0"/>
+              <a:t>. Dentro de los métodos del </a:t>
+            </a:r>
+            <a:r>
+              <a:rPr lang="es-ES" dirty="0" err="1" smtClean="0"/>
+              <a:t>service</a:t>
+            </a:r>
+            <a:r>
+              <a:rPr lang="es-ES" dirty="0" smtClean="0"/>
+              <a:t>, se realizan comprobaciones de integridad de los datos (evitar campos repetidos, etc.). Informando en los tipos de devolución o mediante la generación de errores de aquellas situaciones anómalas que se puedan producir.</a:t>
+            </a:r>
+          </a:p>
+          <a:p>
+            <a:r>
+              <a:rPr lang="es-ES" dirty="0" smtClean="0"/>
+              <a:t>-Implementación del </a:t>
+            </a:r>
+            <a:r>
+              <a:rPr lang="es-ES" dirty="0" err="1" smtClean="0"/>
+              <a:t>controller</a:t>
+            </a:r>
+            <a:r>
+              <a:rPr lang="es-ES" dirty="0" smtClean="0"/>
+              <a:t>. Aquí pensamos en los métodos que hay que exponer al exterior, hacia el </a:t>
+            </a:r>
+            <a:r>
+              <a:rPr lang="es-ES" dirty="0" err="1" smtClean="0"/>
+              <a:t>front</a:t>
+            </a:r>
+            <a:r>
+              <a:rPr lang="es-ES" dirty="0" smtClean="0"/>
+              <a:t>. Se informa mediante códigos de estado sobre situaciones anómalas que se puedan producir.</a:t>
+            </a:r>
+          </a:p>
+          <a:p>
+            <a:r>
+              <a:rPr lang="es-ES" dirty="0" smtClean="0"/>
+              <a:t>-Utilización de variables de entorno para datos sensibles</a:t>
+            </a:r>
+          </a:p>
+          <a:p>
+            <a:r>
+              <a:rPr lang="es-ES" dirty="0" smtClean="0"/>
+              <a:t>-Incorporar </a:t>
+            </a:r>
+            <a:r>
+              <a:rPr lang="es-ES" dirty="0" err="1" smtClean="0"/>
+              <a:t>swagger</a:t>
+            </a:r>
+            <a:r>
+              <a:rPr lang="es-ES" dirty="0" smtClean="0"/>
+              <a:t> para documentar el servicio</a:t>
+            </a:r>
+            <a:endParaRPr lang="es-ES" dirty="0" smtClean="0"/>
+          </a:p>
+          <a:p>
+            <a:r>
+              <a:rPr lang="es-ES" dirty="0" smtClean="0"/>
+              <a:t>-</a:t>
+            </a:r>
+            <a:r>
+              <a:rPr lang="es-ES" dirty="0" err="1" smtClean="0"/>
+              <a:t>AppModule</a:t>
+            </a:r>
+            <a:r>
+              <a:rPr lang="es-ES" dirty="0" smtClean="0"/>
+              <a:t>:</a:t>
+            </a:r>
+          </a:p>
+          <a:p>
+            <a:r>
+              <a:rPr lang="es-ES" dirty="0" smtClean="0"/>
+              <a:t>	</a:t>
+            </a:r>
+            <a:r>
+              <a:rPr lang="es-ES" dirty="0" smtClean="0"/>
+              <a:t>.Registro de </a:t>
+            </a:r>
+            <a:r>
+              <a:rPr lang="es-ES" dirty="0" err="1" smtClean="0"/>
+              <a:t>service</a:t>
+            </a:r>
+            <a:r>
+              <a:rPr lang="es-ES" dirty="0" smtClean="0"/>
+              <a:t> y </a:t>
+            </a:r>
+            <a:r>
+              <a:rPr lang="es-ES" dirty="0" err="1" smtClean="0"/>
+              <a:t>controller</a:t>
+            </a:r>
+            <a:endParaRPr lang="es-ES" dirty="0" smtClean="0"/>
+          </a:p>
+          <a:p>
+            <a:r>
+              <a:rPr lang="es-ES" dirty="0" smtClean="0"/>
+              <a:t>	.Información de conexión a base de datos y entidades</a:t>
+            </a:r>
+          </a:p>
+          <a:p>
+            <a:r>
+              <a:rPr lang="es-ES" dirty="0" smtClean="0"/>
+              <a:t>	</a:t>
+            </a:r>
+            <a:r>
+              <a:rPr lang="es-ES" dirty="0" smtClean="0"/>
+              <a:t>.Acceso a variables de entorno para datos de conexión a base de datos</a:t>
+            </a:r>
           </a:p>
         </p:txBody>
       </p:sp>
